--- a/Manikanth_Musani.pptx
+++ b/Manikanth_Musani.pptx
@@ -112,6 +112,11 @@
       </a:defRPr>
     </a:lvl9pPr>
   </p:defaultTextStyle>
+  <p:extLst>
+    <p:ext uri="{EFAFB233-063F-42B5-8137-9DF3F51BA10A}">
+      <p15:sldGuideLst xmlns:p15="http://schemas.microsoft.com/office/powerpoint/2012/main"/>
+    </p:ext>
+  </p:extLst>
 </p:presentation>
 </file>
 
@@ -3830,7 +3835,7 @@
         <p:spPr>
           <a:xfrm>
             <a:off x="762428" y="1472715"/>
-            <a:ext cx="10158095" cy="3592829"/>
+            <a:ext cx="10158095" cy="3865161"/>
           </a:xfrm>
           <a:prstGeom prst="rect">
             <a:avLst/>
@@ -4598,6 +4603,34 @@
               </a:rPr>
               <a:t> </a:t>
             </a:r>
+            <a:endParaRPr lang="en-IN" sz="1800" spc="15">
+              <a:solidFill>
+                <a:schemeClr val="tx2">
+                  <a:lumMod val="75000"/>
+                </a:schemeClr>
+              </a:solidFill>
+              <a:latin typeface="Calibri"/>
+              <a:cs typeface="Calibri"/>
+            </a:endParaRPr>
+          </a:p>
+          <a:p>
+            <a:pPr marL="12700">
+              <a:lnSpc>
+                <a:spcPct val="100000"/>
+              </a:lnSpc>
+            </a:pPr>
+            <a:r>
+              <a:rPr sz="1800">
+                <a:solidFill>
+                  <a:schemeClr val="tx2">
+                    <a:lumMod val="75000"/>
+                  </a:schemeClr>
+                </a:solidFill>
+                <a:latin typeface="Calibri"/>
+                <a:cs typeface="Calibri"/>
+              </a:rPr>
+              <a:t>1</a:t>
+            </a:r>
             <a:r>
               <a:rPr sz="1800" dirty="0">
                 <a:solidFill>
@@ -4608,7 +4641,7 @@
                 <a:latin typeface="Calibri"/>
                 <a:cs typeface="Calibri"/>
               </a:rPr>
-              <a:t>1) </a:t>
+              <a:t>) </a:t>
             </a:r>
             <a:r>
               <a:rPr sz="1800" spc="-5" dirty="0">
